--- a/OData/Degreed/SAP  Gateway_CDS  Day 6.pptx
+++ b/OData/Degreed/SAP  Gateway_CDS  Day 6.pptx
@@ -260,7 +260,7 @@
             <a:fld id="{86C988DC-9DE3-4390-97AB-D61B85DACE57}" type="datetimeFigureOut">
               <a:rPr lang="pt-PT" sz="900" smtClean="0"/>
               <a:pPr/>
-              <a:t>13/08/2024</a:t>
+              <a:t>14/08/2024</a:t>
             </a:fld>
             <a:endParaRPr lang="pt-PT" sz="900"/>
           </a:p>
@@ -439,7 +439,7 @@
             <a:fld id="{0835B8F7-DAC4-4931-8AED-4356A8B2FD64}" type="datetimeFigureOut">
               <a:rPr lang="pt-BR" smtClean="0"/>
               <a:pPr/>
-              <a:t>13/08/2024</a:t>
+              <a:t>14/08/2024</a:t>
             </a:fld>
             <a:endParaRPr lang="pt-BR"/>
           </a:p>
@@ -3806,279 +3806,6 @@
           </a:graphicData>
         </a:graphic>
       </p:graphicFrame>
-      <p:grpSp>
-        <p:nvGrpSpPr>
-          <p:cNvPr id="2" name="Groupe 1"/>
-          <p:cNvGrpSpPr/>
-          <p:nvPr userDrawn="1"/>
-        </p:nvGrpSpPr>
-        <p:grpSpPr>
-          <a:xfrm>
-            <a:off x="11501102" y="171573"/>
-            <a:ext cx="419436" cy="388988"/>
-            <a:chOff x="11501102" y="171573"/>
-            <a:chExt cx="419436" cy="388988"/>
-          </a:xfrm>
-        </p:grpSpPr>
-        <p:sp>
-          <p:nvSpPr>
-            <p:cNvPr id="4109" name="Freeform 13"/>
-            <p:cNvSpPr>
-              <a:spLocks/>
-            </p:cNvSpPr>
-            <p:nvPr userDrawn="1"/>
-          </p:nvSpPr>
-          <p:spPr bwMode="auto">
-            <a:xfrm>
-              <a:off x="11644642" y="334376"/>
-              <a:ext cx="275896" cy="226185"/>
-            </a:xfrm>
-            <a:custGeom>
-              <a:avLst/>
-              <a:gdLst/>
-              <a:ahLst/>
-              <a:cxnLst>
-                <a:cxn ang="0">
-                  <a:pos x="125" y="107"/>
-                </a:cxn>
-                <a:cxn ang="0">
-                  <a:pos x="188" y="43"/>
-                </a:cxn>
-                <a:cxn ang="0">
-                  <a:pos x="141" y="0"/>
-                </a:cxn>
-                <a:cxn ang="0">
-                  <a:pos x="49" y="99"/>
-                </a:cxn>
-                <a:cxn ang="0">
-                  <a:pos x="0" y="144"/>
-                </a:cxn>
-                <a:cxn ang="0">
-                  <a:pos x="37" y="154"/>
-                </a:cxn>
-                <a:cxn ang="0">
-                  <a:pos x="125" y="125"/>
-                </a:cxn>
-                <a:cxn ang="0">
-                  <a:pos x="81" y="86"/>
-                </a:cxn>
-                <a:cxn ang="0">
-                  <a:pos x="125" y="107"/>
-                </a:cxn>
-              </a:cxnLst>
-              <a:rect l="0" t="0" r="r" b="b"/>
-              <a:pathLst>
-                <a:path w="188" h="154">
-                  <a:moveTo>
-                    <a:pt x="125" y="107"/>
-                  </a:moveTo>
-                  <a:cubicBezTo>
-                    <a:pt x="160" y="107"/>
-                    <a:pt x="188" y="78"/>
-                    <a:pt x="188" y="43"/>
-                  </a:cubicBezTo>
-                  <a:cubicBezTo>
-                    <a:pt x="186" y="28"/>
-                    <a:pt x="181" y="0"/>
-                    <a:pt x="141" y="0"/>
-                  </a:cubicBezTo>
-                  <a:cubicBezTo>
-                    <a:pt x="99" y="0"/>
-                    <a:pt x="84" y="60"/>
-                    <a:pt x="49" y="99"/>
-                  </a:cubicBezTo>
-                  <a:cubicBezTo>
-                    <a:pt x="47" y="121"/>
-                    <a:pt x="26" y="140"/>
-                    <a:pt x="0" y="144"/>
-                  </a:cubicBezTo>
-                  <a:cubicBezTo>
-                    <a:pt x="6" y="150"/>
-                    <a:pt x="20" y="154"/>
-                    <a:pt x="37" y="154"/>
-                  </a:cubicBezTo>
-                  <a:cubicBezTo>
-                    <a:pt x="68" y="154"/>
-                    <a:pt x="106" y="145"/>
-                    <a:pt x="125" y="125"/>
-                  </a:cubicBezTo>
-                  <a:cubicBezTo>
-                    <a:pt x="99" y="126"/>
-                    <a:pt x="82" y="109"/>
-                    <a:pt x="81" y="86"/>
-                  </a:cubicBezTo>
-                  <a:cubicBezTo>
-                    <a:pt x="93" y="101"/>
-                    <a:pt x="108" y="107"/>
-                    <a:pt x="125" y="107"/>
-                  </a:cubicBezTo>
-                </a:path>
-              </a:pathLst>
-            </a:custGeom>
-            <a:solidFill>
-              <a:srgbClr val="12ABDB"/>
-            </a:solidFill>
-            <a:ln w="9525">
-              <a:noFill/>
-              <a:round/>
-              <a:headEnd/>
-              <a:tailEnd/>
-            </a:ln>
-          </p:spPr>
-          <p:txBody>
-            <a:bodyPr vert="horz" wrap="square" lIns="91440" tIns="45720" rIns="91440" bIns="45720" numCol="1" anchor="t" anchorCtr="0" compatLnSpc="1">
-              <a:prstTxWarp prst="textNoShape">
-                <a:avLst/>
-              </a:prstTxWarp>
-            </a:bodyPr>
-            <a:lstStyle/>
-            <a:p>
-              <a:endParaRPr lang="en-GB"/>
-            </a:p>
-          </p:txBody>
-        </p:sp>
-        <p:sp>
-          <p:nvSpPr>
-            <p:cNvPr id="4110" name="Freeform 14"/>
-            <p:cNvSpPr>
-              <a:spLocks/>
-            </p:cNvSpPr>
-            <p:nvPr userDrawn="1"/>
-          </p:nvSpPr>
-          <p:spPr bwMode="auto">
-            <a:xfrm>
-              <a:off x="11501102" y="171573"/>
-              <a:ext cx="419436" cy="356676"/>
-            </a:xfrm>
-            <a:custGeom>
-              <a:avLst/>
-              <a:gdLst/>
-              <a:ahLst/>
-              <a:cxnLst>
-                <a:cxn ang="0">
-                  <a:pos x="286" y="152"/>
-                </a:cxn>
-                <a:cxn ang="0">
-                  <a:pos x="237" y="51"/>
-                </a:cxn>
-                <a:cxn ang="0">
-                  <a:pos x="160" y="3"/>
-                </a:cxn>
-                <a:cxn ang="0">
-                  <a:pos x="153" y="0"/>
-                </a:cxn>
-                <a:cxn ang="0">
-                  <a:pos x="153" y="0"/>
-                </a:cxn>
-                <a:cxn ang="0">
-                  <a:pos x="0" y="158"/>
-                </a:cxn>
-                <a:cxn ang="0">
-                  <a:pos x="53" y="236"/>
-                </a:cxn>
-                <a:cxn ang="0">
-                  <a:pos x="107" y="237"/>
-                </a:cxn>
-                <a:cxn ang="0">
-                  <a:pos x="147" y="210"/>
-                </a:cxn>
-                <a:cxn ang="0">
-                  <a:pos x="239" y="111"/>
-                </a:cxn>
-                <a:cxn ang="0">
-                  <a:pos x="286" y="154"/>
-                </a:cxn>
-                <a:cxn ang="0">
-                  <a:pos x="286" y="152"/>
-                </a:cxn>
-              </a:cxnLst>
-              <a:rect l="0" t="0" r="r" b="b"/>
-              <a:pathLst>
-                <a:path w="286" h="243">
-                  <a:moveTo>
-                    <a:pt x="286" y="152"/>
-                  </a:moveTo>
-                  <a:cubicBezTo>
-                    <a:pt x="286" y="112"/>
-                    <a:pt x="266" y="78"/>
-                    <a:pt x="237" y="51"/>
-                  </a:cubicBezTo>
-                  <a:cubicBezTo>
-                    <a:pt x="215" y="30"/>
-                    <a:pt x="188" y="15"/>
-                    <a:pt x="160" y="3"/>
-                  </a:cubicBezTo>
-                  <a:cubicBezTo>
-                    <a:pt x="158" y="2"/>
-                    <a:pt x="156" y="1"/>
-                    <a:pt x="153" y="0"/>
-                  </a:cubicBezTo>
-                  <a:cubicBezTo>
-                    <a:pt x="153" y="0"/>
-                    <a:pt x="153" y="0"/>
-                    <a:pt x="153" y="0"/>
-                  </a:cubicBezTo>
-                  <a:cubicBezTo>
-                    <a:pt x="119" y="41"/>
-                    <a:pt x="0" y="72"/>
-                    <a:pt x="0" y="158"/>
-                  </a:cubicBezTo>
-                  <a:cubicBezTo>
-                    <a:pt x="0" y="192"/>
-                    <a:pt x="21" y="224"/>
-                    <a:pt x="53" y="236"/>
-                  </a:cubicBezTo>
-                  <a:cubicBezTo>
-                    <a:pt x="71" y="243"/>
-                    <a:pt x="89" y="243"/>
-                    <a:pt x="107" y="237"/>
-                  </a:cubicBezTo>
-                  <a:cubicBezTo>
-                    <a:pt x="123" y="232"/>
-                    <a:pt x="136" y="222"/>
-                    <a:pt x="147" y="210"/>
-                  </a:cubicBezTo>
-                  <a:cubicBezTo>
-                    <a:pt x="182" y="171"/>
-                    <a:pt x="197" y="111"/>
-                    <a:pt x="239" y="111"/>
-                  </a:cubicBezTo>
-                  <a:cubicBezTo>
-                    <a:pt x="279" y="111"/>
-                    <a:pt x="284" y="139"/>
-                    <a:pt x="286" y="154"/>
-                  </a:cubicBezTo>
-                  <a:cubicBezTo>
-                    <a:pt x="286" y="154"/>
-                    <a:pt x="286" y="153"/>
-                    <a:pt x="286" y="152"/>
-                  </a:cubicBezTo>
-                </a:path>
-              </a:pathLst>
-            </a:custGeom>
-            <a:solidFill>
-              <a:srgbClr val="0070AD"/>
-            </a:solidFill>
-            <a:ln w="9525">
-              <a:noFill/>
-              <a:round/>
-              <a:headEnd/>
-              <a:tailEnd/>
-            </a:ln>
-          </p:spPr>
-          <p:txBody>
-            <a:bodyPr vert="horz" wrap="square" lIns="91440" tIns="45720" rIns="91440" bIns="45720" numCol="1" anchor="t" anchorCtr="0" compatLnSpc="1">
-              <a:prstTxWarp prst="textNoShape">
-                <a:avLst/>
-              </a:prstTxWarp>
-            </a:bodyPr>
-            <a:lstStyle/>
-            <a:p>
-              <a:endParaRPr lang="en-GB"/>
-            </a:p>
-          </p:txBody>
-        </p:sp>
-      </p:grpSp>
       <p:sp>
         <p:nvSpPr>
           <p:cNvPr id="7" name="Retângulo 43">
@@ -4339,24 +4066,11 @@
               <a:tabLst/>
               <a:defRPr/>
             </a:pPr>
-            <a:r>
-              <a:rPr lang="en-US" dirty="0">
-                <a:solidFill>
-                  <a:schemeClr val="bg1">
-                    <a:lumMod val="65000"/>
-                  </a:schemeClr>
-                </a:solidFill>
-              </a:rPr>
-              <a:t>© Capgemini 2021. All rights reserved  </a:t>
-            </a:r>
-            <a:r>
-              <a:rPr lang="en-US" dirty="0">
-                <a:solidFill>
-                  <a:schemeClr val="accent2"/>
-                </a:solidFill>
-              </a:rPr>
-              <a:t>|</a:t>
-            </a:r>
+            <a:endParaRPr lang="en-US" dirty="0">
+              <a:solidFill>
+                <a:schemeClr val="accent2"/>
+              </a:solidFill>
+            </a:endParaRPr>
           </a:p>
         </p:txBody>
       </p:sp>
@@ -8877,12 +8591,9 @@
 </file>
 
 <file path=customXml/item1.xml><?xml version="1.0" encoding="utf-8"?>
-<?mso-contentType ?>
-<FormTemplates xmlns="http://schemas.microsoft.com/sharepoint/v3/contenttype/forms">
-  <Display>DocumentLibraryForm</Display>
-  <Edit>DocumentLibraryForm</Edit>
-  <New>DocumentLibraryForm</New>
-</FormTemplates>
+<p:properties xmlns:p="http://schemas.microsoft.com/office/2006/metadata/properties" xmlns:xsi="http://www.w3.org/2001/XMLSchema-instance" xmlns:pc="http://schemas.microsoft.com/office/infopath/2007/PartnerControls">
+  <documentManagement/>
+</p:properties>
 </file>
 
 <file path=customXml/item2.xml><?xml version="1.0" encoding="utf-8"?>
@@ -9091,15 +8802,19 @@
 </file>
 
 <file path=customXml/item3.xml><?xml version="1.0" encoding="utf-8"?>
-<p:properties xmlns:p="http://schemas.microsoft.com/office/2006/metadata/properties" xmlns:xsi="http://www.w3.org/2001/XMLSchema-instance" xmlns:pc="http://schemas.microsoft.com/office/infopath/2007/PartnerControls">
-  <documentManagement/>
-</p:properties>
+<?mso-contentType ?>
+<FormTemplates xmlns="http://schemas.microsoft.com/sharepoint/v3/contenttype/forms">
+  <Display>DocumentLibraryForm</Display>
+  <Edit>DocumentLibraryForm</Edit>
+  <New>DocumentLibraryForm</New>
+</FormTemplates>
 </file>
 
 <file path=customXml/itemProps1.xml><?xml version="1.0" encoding="utf-8"?>
-<ds:datastoreItem xmlns:ds="http://schemas.openxmlformats.org/officeDocument/2006/customXml" ds:itemID="{C334FE86-2D34-4169-BAA8-65F05C3B74C8}">
+<ds:datastoreItem xmlns:ds="http://schemas.openxmlformats.org/officeDocument/2006/customXml" ds:itemID="{EFD661B2-E404-415B-BBCA-CC7C62CE1B78}">
   <ds:schemaRefs>
-    <ds:schemaRef ds:uri="http://schemas.microsoft.com/sharepoint/v3/contenttype/forms"/>
+    <ds:schemaRef ds:uri="http://schemas.microsoft.com/office/2006/metadata/properties"/>
+    <ds:schemaRef ds:uri="http://schemas.microsoft.com/office/infopath/2007/PartnerControls"/>
   </ds:schemaRefs>
 </ds:datastoreItem>
 </file>
@@ -9124,10 +8839,9 @@
 </file>
 
 <file path=customXml/itemProps3.xml><?xml version="1.0" encoding="utf-8"?>
-<ds:datastoreItem xmlns:ds="http://schemas.openxmlformats.org/officeDocument/2006/customXml" ds:itemID="{EFD661B2-E404-415B-BBCA-CC7C62CE1B78}">
+<ds:datastoreItem xmlns:ds="http://schemas.openxmlformats.org/officeDocument/2006/customXml" ds:itemID="{C334FE86-2D34-4169-BAA8-65F05C3B74C8}">
   <ds:schemaRefs>
-    <ds:schemaRef ds:uri="http://schemas.microsoft.com/office/2006/metadata/properties"/>
-    <ds:schemaRef ds:uri="http://schemas.microsoft.com/office/infopath/2007/PartnerControls"/>
+    <ds:schemaRef ds:uri="http://schemas.microsoft.com/sharepoint/v3/contenttype/forms"/>
   </ds:schemaRefs>
 </ds:datastoreItem>
 </file>